--- a/model.pptx
+++ b/model.pptx
@@ -105,6 +105,11 @@
       </a:defRPr>
     </a:lvl9pPr>
   </p:defaultTextStyle>
+  <p:extLst>
+    <p:ext uri="{EFAFB233-063F-42B5-8137-9DF3F51BA10A}">
+      <p15:sldGuideLst xmlns:p15="http://schemas.microsoft.com/office/powerpoint/2012/main"/>
+    </p:ext>
+  </p:extLst>
 </p:presentation>
 </file>
 
@@ -269,7 +274,7 @@
           <a:p>
             <a:fld id="{C9787874-2364-4C0F-8204-F85CEE93B148}" type="datetimeFigureOut">
               <a:rPr lang="en-DE" smtClean="0"/>
-              <a:t>22/04/2023</a:t>
+              <a:t>23/04/2023</a:t>
             </a:fld>
             <a:endParaRPr lang="en-DE"/>
           </a:p>
@@ -469,7 +474,7 @@
           <a:p>
             <a:fld id="{C9787874-2364-4C0F-8204-F85CEE93B148}" type="datetimeFigureOut">
               <a:rPr lang="en-DE" smtClean="0"/>
-              <a:t>22/04/2023</a:t>
+              <a:t>23/04/2023</a:t>
             </a:fld>
             <a:endParaRPr lang="en-DE"/>
           </a:p>
@@ -679,7 +684,7 @@
           <a:p>
             <a:fld id="{C9787874-2364-4C0F-8204-F85CEE93B148}" type="datetimeFigureOut">
               <a:rPr lang="en-DE" smtClean="0"/>
-              <a:t>22/04/2023</a:t>
+              <a:t>23/04/2023</a:t>
             </a:fld>
             <a:endParaRPr lang="en-DE"/>
           </a:p>
@@ -879,7 +884,7 @@
           <a:p>
             <a:fld id="{C9787874-2364-4C0F-8204-F85CEE93B148}" type="datetimeFigureOut">
               <a:rPr lang="en-DE" smtClean="0"/>
-              <a:t>22/04/2023</a:t>
+              <a:t>23/04/2023</a:t>
             </a:fld>
             <a:endParaRPr lang="en-DE"/>
           </a:p>
@@ -1155,7 +1160,7 @@
           <a:p>
             <a:fld id="{C9787874-2364-4C0F-8204-F85CEE93B148}" type="datetimeFigureOut">
               <a:rPr lang="en-DE" smtClean="0"/>
-              <a:t>22/04/2023</a:t>
+              <a:t>23/04/2023</a:t>
             </a:fld>
             <a:endParaRPr lang="en-DE"/>
           </a:p>
@@ -1423,7 +1428,7 @@
           <a:p>
             <a:fld id="{C9787874-2364-4C0F-8204-F85CEE93B148}" type="datetimeFigureOut">
               <a:rPr lang="en-DE" smtClean="0"/>
-              <a:t>22/04/2023</a:t>
+              <a:t>23/04/2023</a:t>
             </a:fld>
             <a:endParaRPr lang="en-DE"/>
           </a:p>
@@ -1838,7 +1843,7 @@
           <a:p>
             <a:fld id="{C9787874-2364-4C0F-8204-F85CEE93B148}" type="datetimeFigureOut">
               <a:rPr lang="en-DE" smtClean="0"/>
-              <a:t>22/04/2023</a:t>
+              <a:t>23/04/2023</a:t>
             </a:fld>
             <a:endParaRPr lang="en-DE"/>
           </a:p>
@@ -1980,7 +1985,7 @@
           <a:p>
             <a:fld id="{C9787874-2364-4C0F-8204-F85CEE93B148}" type="datetimeFigureOut">
               <a:rPr lang="en-DE" smtClean="0"/>
-              <a:t>22/04/2023</a:t>
+              <a:t>23/04/2023</a:t>
             </a:fld>
             <a:endParaRPr lang="en-DE"/>
           </a:p>
@@ -2093,7 +2098,7 @@
           <a:p>
             <a:fld id="{C9787874-2364-4C0F-8204-F85CEE93B148}" type="datetimeFigureOut">
               <a:rPr lang="en-DE" smtClean="0"/>
-              <a:t>22/04/2023</a:t>
+              <a:t>23/04/2023</a:t>
             </a:fld>
             <a:endParaRPr lang="en-DE"/>
           </a:p>
@@ -2406,7 +2411,7 @@
           <a:p>
             <a:fld id="{C9787874-2364-4C0F-8204-F85CEE93B148}" type="datetimeFigureOut">
               <a:rPr lang="en-DE" smtClean="0"/>
-              <a:t>22/04/2023</a:t>
+              <a:t>23/04/2023</a:t>
             </a:fld>
             <a:endParaRPr lang="en-DE"/>
           </a:p>
@@ -2695,7 +2700,7 @@
           <a:p>
             <a:fld id="{C9787874-2364-4C0F-8204-F85CEE93B148}" type="datetimeFigureOut">
               <a:rPr lang="en-DE" smtClean="0"/>
-              <a:t>22/04/2023</a:t>
+              <a:t>23/04/2023</a:t>
             </a:fld>
             <a:endParaRPr lang="en-DE"/>
           </a:p>
@@ -2938,7 +2943,7 @@
           <a:p>
             <a:fld id="{C9787874-2364-4C0F-8204-F85CEE93B148}" type="datetimeFigureOut">
               <a:rPr lang="en-DE" smtClean="0"/>
-              <a:t>22/04/2023</a:t>
+              <a:t>23/04/2023</a:t>
             </a:fld>
             <a:endParaRPr lang="en-DE"/>
           </a:p>
@@ -3357,10 +3362,10 @@
       </p:grpSpPr>
       <p:sp>
         <p:nvSpPr>
-          <p:cNvPr id="4" name="Rechteck 3">
-            <a:extLst>
-              <a:ext uri="{FF2B5EF4-FFF2-40B4-BE49-F238E27FC236}">
-                <a16:creationId xmlns:a16="http://schemas.microsoft.com/office/drawing/2014/main" id="{3C27BBBB-67A2-0327-589E-A4ACE106C11D}"/>
+          <p:cNvPr id="8" name="Rechteck 7">
+            <a:extLst>
+              <a:ext uri="{FF2B5EF4-FFF2-40B4-BE49-F238E27FC236}">
+                <a16:creationId xmlns:a16="http://schemas.microsoft.com/office/drawing/2014/main" id="{73E6B87B-618F-0DE8-3A32-DF4949E46602}"/>
               </a:ext>
             </a:extLst>
           </p:cNvPr>
@@ -3369,14 +3374,16 @@
         </p:nvSpPr>
         <p:spPr>
           <a:xfrm>
-            <a:off x="415636" y="1472540"/>
-            <a:ext cx="2666011" cy="1140031"/>
+            <a:off x="3739735" y="3188523"/>
+            <a:ext cx="1993078" cy="1140031"/>
           </a:xfrm>
           <a:prstGeom prst="rect">
             <a:avLst/>
           </a:prstGeom>
           <a:solidFill>
-            <a:schemeClr val="accent2"/>
+            <a:schemeClr val="accent6">
+              <a:lumMod val="75000"/>
+            </a:schemeClr>
           </a:solidFill>
           <a:ln>
             <a:noFill/>
@@ -3402,106 +3409,12 @@
           <a:p>
             <a:pPr algn="ctr"/>
             <a:r>
-              <a:rPr lang="de-DE" dirty="0" err="1"/>
-              <a:t>Normalization</a:t>
-            </a:r>
-            <a:r>
-              <a:rPr lang="de-DE" dirty="0"/>
-              <a:t>/</a:t>
-            </a:r>
-            <a:r>
-              <a:rPr lang="de-DE" dirty="0" err="1"/>
-              <a:t>whitening</a:t>
-            </a:r>
-            <a:endParaRPr lang="de-DE" dirty="0"/>
-          </a:p>
-          <a:p>
-            <a:pPr algn="ctr"/>
-            <a:r>
-              <a:rPr lang="de-DE" dirty="0"/>
-              <a:t>(optional)</a:t>
-            </a:r>
-            <a:endParaRPr lang="en-DE" dirty="0"/>
-          </a:p>
-        </p:txBody>
-      </p:sp>
-      <p:sp>
-        <p:nvSpPr>
-          <p:cNvPr id="8" name="Rechteck 7">
-            <a:extLst>
-              <a:ext uri="{FF2B5EF4-FFF2-40B4-BE49-F238E27FC236}">
-                <a16:creationId xmlns:a16="http://schemas.microsoft.com/office/drawing/2014/main" id="{73E6B87B-618F-0DE8-3A32-DF4949E46602}"/>
-              </a:ext>
-            </a:extLst>
-          </p:cNvPr>
-          <p:cNvSpPr/>
-          <p:nvPr/>
-        </p:nvSpPr>
-        <p:spPr>
-          <a:xfrm>
-            <a:off x="3793177" y="1472538"/>
-            <a:ext cx="1993078" cy="1140031"/>
-          </a:xfrm>
-          <a:prstGeom prst="rect">
-            <a:avLst/>
-          </a:prstGeom>
-          <a:solidFill>
-            <a:schemeClr val="accent2"/>
-          </a:solidFill>
-          <a:ln>
-            <a:noFill/>
-          </a:ln>
-        </p:spPr>
-        <p:style>
-          <a:lnRef idx="0">
-            <a:scrgbClr r="0" g="0" b="0"/>
-          </a:lnRef>
-          <a:fillRef idx="0">
-            <a:scrgbClr r="0" g="0" b="0"/>
-          </a:fillRef>
-          <a:effectRef idx="0">
-            <a:scrgbClr r="0" g="0" b="0"/>
-          </a:effectRef>
-          <a:fontRef idx="minor">
-            <a:schemeClr val="lt1"/>
-          </a:fontRef>
-        </p:style>
-        <p:txBody>
-          <a:bodyPr rtlCol="0" anchor="ctr"/>
-          <a:lstStyle/>
-          <a:p>
-            <a:pPr algn="ctr"/>
-            <a:r>
               <a:rPr lang="de-DE" dirty="0"/>
               <a:t>Feature </a:t>
             </a:r>
             <a:r>
               <a:rPr lang="de-DE" dirty="0" err="1"/>
-              <a:t>reduction</a:t>
-            </a:r>
-            <a:endParaRPr lang="de-DE" dirty="0"/>
-          </a:p>
-          <a:p>
-            <a:pPr algn="ctr"/>
-            <a:r>
-              <a:rPr lang="de-DE" dirty="0"/>
-              <a:t>(Feature </a:t>
-            </a:r>
-            <a:r>
-              <a:rPr lang="de-DE" dirty="0" err="1"/>
               <a:t>Selection</a:t>
-            </a:r>
-            <a:r>
-              <a:rPr lang="de-DE" dirty="0"/>
-              <a:t> </a:t>
-            </a:r>
-            <a:r>
-              <a:rPr lang="de-DE" dirty="0" err="1"/>
-              <a:t>approach</a:t>
-            </a:r>
-            <a:r>
-              <a:rPr lang="de-DE" dirty="0"/>
-              <a:t>)</a:t>
             </a:r>
             <a:endParaRPr lang="en-DE" dirty="0"/>
           </a:p>
@@ -3518,15 +3431,14 @@
           </p:cNvPr>
           <p:cNvCxnSpPr>
             <a:cxnSpLocks/>
-            <a:stCxn id="4" idx="3"/>
             <a:endCxn id="8" idx="1"/>
           </p:cNvCxnSpPr>
           <p:nvPr/>
         </p:nvCxnSpPr>
         <p:spPr>
-          <a:xfrm flipV="1">
-            <a:off x="3081647" y="2042554"/>
-            <a:ext cx="711530" cy="2"/>
+          <a:xfrm>
+            <a:off x="2840180" y="3758539"/>
+            <a:ext cx="899555" cy="0"/>
           </a:xfrm>
           <a:prstGeom prst="straightConnector1">
             <a:avLst/>
@@ -3535,7 +3447,7 @@
             <a:solidFill>
               <a:schemeClr val="tx1"/>
             </a:solidFill>
-            <a:prstDash val="sysDash"/>
+            <a:prstDash val="solid"/>
             <a:tailEnd type="triangle"/>
           </a:ln>
         </p:spPr>
@@ -3554,60 +3466,6 @@
           </a:fontRef>
         </p:style>
       </p:cxnSp>
-      <p:sp>
-        <p:nvSpPr>
-          <p:cNvPr id="11" name="Rechteck 10">
-            <a:extLst>
-              <a:ext uri="{FF2B5EF4-FFF2-40B4-BE49-F238E27FC236}">
-                <a16:creationId xmlns:a16="http://schemas.microsoft.com/office/drawing/2014/main" id="{1CF8EE43-7138-86DC-695C-7CB5B7C972FE}"/>
-              </a:ext>
-            </a:extLst>
-          </p:cNvPr>
-          <p:cNvSpPr/>
-          <p:nvPr/>
-        </p:nvSpPr>
-        <p:spPr>
-          <a:xfrm>
-            <a:off x="9292443" y="1472536"/>
-            <a:ext cx="1917866" cy="1140031"/>
-          </a:xfrm>
-          <a:prstGeom prst="rect">
-            <a:avLst/>
-          </a:prstGeom>
-          <a:solidFill>
-            <a:schemeClr val="accent2"/>
-          </a:solidFill>
-          <a:ln>
-            <a:noFill/>
-          </a:ln>
-        </p:spPr>
-        <p:style>
-          <a:lnRef idx="0">
-            <a:scrgbClr r="0" g="0" b="0"/>
-          </a:lnRef>
-          <a:fillRef idx="0">
-            <a:scrgbClr r="0" g="0" b="0"/>
-          </a:fillRef>
-          <a:effectRef idx="0">
-            <a:scrgbClr r="0" g="0" b="0"/>
-          </a:effectRef>
-          <a:fontRef idx="minor">
-            <a:schemeClr val="lt1"/>
-          </a:fontRef>
-        </p:style>
-        <p:txBody>
-          <a:bodyPr rtlCol="0" anchor="ctr"/>
-          <a:lstStyle/>
-          <a:p>
-            <a:pPr algn="ctr"/>
-            <a:r>
-              <a:rPr lang="de-DE" dirty="0"/>
-              <a:t>TVLDA</a:t>
-            </a:r>
-            <a:endParaRPr lang="en-DE" dirty="0"/>
-          </a:p>
-        </p:txBody>
-      </p:sp>
       <p:cxnSp>
         <p:nvCxnSpPr>
           <p:cNvPr id="13" name="Gerade Verbindung mit Pfeil 12">
@@ -3620,13 +3478,12 @@
           <p:cNvCxnSpPr>
             <a:cxnSpLocks/>
             <a:stCxn id="8" idx="3"/>
-            <a:endCxn id="34" idx="1"/>
           </p:cNvCxnSpPr>
           <p:nvPr/>
         </p:nvCxnSpPr>
         <p:spPr>
           <a:xfrm flipV="1">
-            <a:off x="5786255" y="2042553"/>
+            <a:off x="5732813" y="3758538"/>
             <a:ext cx="672933" cy="1"/>
           </a:xfrm>
           <a:prstGeom prst="straightConnector1">
@@ -3656,10 +3513,10 @@
       </p:cxnSp>
       <p:sp>
         <p:nvSpPr>
-          <p:cNvPr id="15" name="Rechteck 14">
-            <a:extLst>
-              <a:ext uri="{FF2B5EF4-FFF2-40B4-BE49-F238E27FC236}">
-                <a16:creationId xmlns:a16="http://schemas.microsoft.com/office/drawing/2014/main" id="{6E3989E8-47F9-B564-CE7A-7253EE17AAB1}"/>
+          <p:cNvPr id="3" name="Rechteck 2">
+            <a:extLst>
+              <a:ext uri="{FF2B5EF4-FFF2-40B4-BE49-F238E27FC236}">
+                <a16:creationId xmlns:a16="http://schemas.microsoft.com/office/drawing/2014/main" id="{1BA5DA2F-24ED-74BC-8AF5-74878C925CEC}"/>
               </a:ext>
             </a:extLst>
           </p:cNvPr>
@@ -3668,115 +3525,16 @@
         </p:nvSpPr>
         <p:spPr>
           <a:xfrm>
-            <a:off x="3515098" y="555170"/>
-            <a:ext cx="8069283" cy="2974769"/>
-          </a:xfrm>
-          <a:prstGeom prst="rect">
-            <a:avLst/>
-          </a:prstGeom>
-          <a:noFill/>
-          <a:ln w="28575" cap="flat" cmpd="sng" algn="ctr">
-            <a:solidFill>
-              <a:schemeClr val="dk1"/>
-            </a:solidFill>
-            <a:prstDash val="solid"/>
-            <a:round/>
-            <a:headEnd type="none" w="med" len="med"/>
-            <a:tailEnd type="none" w="med" len="med"/>
-          </a:ln>
-        </p:spPr>
-        <p:style>
-          <a:lnRef idx="0">
-            <a:scrgbClr r="0" g="0" b="0"/>
-          </a:lnRef>
-          <a:fillRef idx="0">
-            <a:scrgbClr r="0" g="0" b="0"/>
-          </a:fillRef>
-          <a:effectRef idx="0">
-            <a:scrgbClr r="0" g="0" b="0"/>
-          </a:effectRef>
-          <a:fontRef idx="minor">
-            <a:schemeClr val="dk1"/>
-          </a:fontRef>
-        </p:style>
-        <p:txBody>
-          <a:bodyPr rtlCol="0" anchor="ctr"/>
-          <a:lstStyle/>
-          <a:p>
-            <a:pPr algn="ctr"/>
-            <a:endParaRPr lang="en-DE"/>
-          </a:p>
-        </p:txBody>
-      </p:sp>
-      <p:cxnSp>
-        <p:nvCxnSpPr>
-          <p:cNvPr id="17" name="Gerade Verbindung mit Pfeil 16">
-            <a:extLst>
-              <a:ext uri="{FF2B5EF4-FFF2-40B4-BE49-F238E27FC236}">
-                <a16:creationId xmlns:a16="http://schemas.microsoft.com/office/drawing/2014/main" id="{507E1374-64AF-C885-7024-81B2603D583E}"/>
-              </a:ext>
-            </a:extLst>
-          </p:cNvPr>
-          <p:cNvCxnSpPr>
-            <a:cxnSpLocks/>
-            <a:stCxn id="11" idx="2"/>
-            <a:endCxn id="18" idx="0"/>
-          </p:cNvCxnSpPr>
-          <p:nvPr/>
-        </p:nvCxnSpPr>
-        <p:spPr>
-          <a:xfrm>
-            <a:off x="10251376" y="2612567"/>
-            <a:ext cx="0" cy="2191002"/>
-          </a:xfrm>
-          <a:prstGeom prst="straightConnector1">
-            <a:avLst/>
-          </a:prstGeom>
-          <a:ln w="19050">
-            <a:solidFill>
-              <a:schemeClr val="tx1"/>
-            </a:solidFill>
-            <a:prstDash val="sysDash"/>
-            <a:tailEnd type="triangle"/>
-          </a:ln>
-        </p:spPr>
-        <p:style>
-          <a:lnRef idx="1">
-            <a:schemeClr val="accent1"/>
-          </a:lnRef>
-          <a:fillRef idx="0">
-            <a:schemeClr val="accent1"/>
-          </a:fillRef>
-          <a:effectRef idx="0">
-            <a:schemeClr val="accent1"/>
-          </a:effectRef>
-          <a:fontRef idx="minor">
-            <a:schemeClr val="tx1"/>
-          </a:fontRef>
-        </p:style>
-      </p:cxnSp>
-      <p:sp>
-        <p:nvSpPr>
-          <p:cNvPr id="18" name="Rechteck 17">
-            <a:extLst>
-              <a:ext uri="{FF2B5EF4-FFF2-40B4-BE49-F238E27FC236}">
-                <a16:creationId xmlns:a16="http://schemas.microsoft.com/office/drawing/2014/main" id="{4F94967F-3673-B016-FAE0-24C0E74B3112}"/>
-              </a:ext>
-            </a:extLst>
-          </p:cNvPr>
-          <p:cNvSpPr/>
-          <p:nvPr/>
-        </p:nvSpPr>
-        <p:spPr>
-          <a:xfrm>
-            <a:off x="8918370" y="4803569"/>
-            <a:ext cx="2666011" cy="1140031"/>
+            <a:off x="6405746" y="3188522"/>
+            <a:ext cx="1993078" cy="1140031"/>
           </a:xfrm>
           <a:prstGeom prst="rect">
             <a:avLst/>
           </a:prstGeom>
           <a:solidFill>
-            <a:schemeClr val="accent2"/>
+            <a:schemeClr val="accent6">
+              <a:lumMod val="75000"/>
+            </a:schemeClr>
           </a:solidFill>
           <a:ln>
             <a:noFill/>
@@ -3802,8 +3560,8 @@
           <a:p>
             <a:pPr algn="ctr"/>
             <a:r>
-              <a:rPr lang="de-DE" dirty="0" err="1"/>
-              <a:t>Visualization</a:t>
+              <a:rPr lang="de-DE" dirty="0"/>
+              <a:t>Classification</a:t>
             </a:r>
             <a:endParaRPr lang="en-DE" dirty="0"/>
           </a:p>
@@ -3811,10 +3569,10 @@
       </p:sp>
       <p:sp>
         <p:nvSpPr>
-          <p:cNvPr id="34" name="Rechteck 33">
-            <a:extLst>
-              <a:ext uri="{FF2B5EF4-FFF2-40B4-BE49-F238E27FC236}">
-                <a16:creationId xmlns:a16="http://schemas.microsoft.com/office/drawing/2014/main" id="{6C8F6571-F173-B53C-A573-645AAA63BEED}"/>
+          <p:cNvPr id="9" name="Rechteck 8">
+            <a:extLst>
+              <a:ext uri="{FF2B5EF4-FFF2-40B4-BE49-F238E27FC236}">
+                <a16:creationId xmlns:a16="http://schemas.microsoft.com/office/drawing/2014/main" id="{0698F8E1-94A5-435E-DF3E-DDD2B64C44CB}"/>
               </a:ext>
             </a:extLst>
           </p:cNvPr>
@@ -3823,14 +3581,16 @@
         </p:nvSpPr>
         <p:spPr>
           <a:xfrm>
-            <a:off x="6459188" y="1472537"/>
+            <a:off x="847102" y="3188521"/>
             <a:ext cx="1993078" cy="1140031"/>
           </a:xfrm>
           <a:prstGeom prst="rect">
             <a:avLst/>
           </a:prstGeom>
           <a:solidFill>
-            <a:schemeClr val="accent2"/>
+            <a:schemeClr val="accent6">
+              <a:lumMod val="75000"/>
+            </a:schemeClr>
           </a:solidFill>
           <a:ln>
             <a:noFill/>
@@ -3856,8 +3616,64 @@
           <a:p>
             <a:pPr algn="ctr"/>
             <a:r>
-              <a:rPr lang="de-DE" dirty="0"/>
-              <a:t>LSTM</a:t>
+              <a:rPr lang="de-DE" dirty="0" err="1"/>
+              <a:t>Pre-processing</a:t>
+            </a:r>
+            <a:endParaRPr lang="en-DE" dirty="0"/>
+          </a:p>
+        </p:txBody>
+      </p:sp>
+      <p:sp>
+        <p:nvSpPr>
+          <p:cNvPr id="12" name="Rechteck 11">
+            <a:extLst>
+              <a:ext uri="{FF2B5EF4-FFF2-40B4-BE49-F238E27FC236}">
+                <a16:creationId xmlns:a16="http://schemas.microsoft.com/office/drawing/2014/main" id="{7FE6E9E4-FA4D-F9E5-6F69-735C4DD38A6C}"/>
+              </a:ext>
+            </a:extLst>
+          </p:cNvPr>
+          <p:cNvSpPr/>
+          <p:nvPr/>
+        </p:nvSpPr>
+        <p:spPr>
+          <a:xfrm>
+            <a:off x="9071757" y="3191490"/>
+            <a:ext cx="1993078" cy="1140031"/>
+          </a:xfrm>
+          <a:prstGeom prst="rect">
+            <a:avLst/>
+          </a:prstGeom>
+          <a:solidFill>
+            <a:schemeClr val="accent6">
+              <a:lumMod val="75000"/>
+            </a:schemeClr>
+          </a:solidFill>
+          <a:ln>
+            <a:noFill/>
+          </a:ln>
+        </p:spPr>
+        <p:style>
+          <a:lnRef idx="0">
+            <a:scrgbClr r="0" g="0" b="0"/>
+          </a:lnRef>
+          <a:fillRef idx="0">
+            <a:scrgbClr r="0" g="0" b="0"/>
+          </a:fillRef>
+          <a:effectRef idx="0">
+            <a:scrgbClr r="0" g="0" b="0"/>
+          </a:effectRef>
+          <a:fontRef idx="minor">
+            <a:schemeClr val="lt1"/>
+          </a:fontRef>
+        </p:style>
+        <p:txBody>
+          <a:bodyPr rtlCol="0" anchor="ctr"/>
+          <a:lstStyle/>
+          <a:p>
+            <a:pPr algn="ctr"/>
+            <a:r>
+              <a:rPr lang="de-DE" dirty="0" err="1"/>
+              <a:t>Visualization</a:t>
             </a:r>
             <a:endParaRPr lang="en-DE" dirty="0"/>
           </a:p>
@@ -3865,24 +3681,24 @@
       </p:sp>
       <p:cxnSp>
         <p:nvCxnSpPr>
-          <p:cNvPr id="37" name="Gerade Verbindung mit Pfeil 36">
-            <a:extLst>
-              <a:ext uri="{FF2B5EF4-FFF2-40B4-BE49-F238E27FC236}">
-                <a16:creationId xmlns:a16="http://schemas.microsoft.com/office/drawing/2014/main" id="{B1C5B0F3-1A7D-F635-F857-436ED6ED295C}"/>
+          <p:cNvPr id="14" name="Gerade Verbindung mit Pfeil 13">
+            <a:extLst>
+              <a:ext uri="{FF2B5EF4-FFF2-40B4-BE49-F238E27FC236}">
+                <a16:creationId xmlns:a16="http://schemas.microsoft.com/office/drawing/2014/main" id="{E43477C8-28B1-3AE0-5948-1570478BAA29}"/>
               </a:ext>
             </a:extLst>
           </p:cNvPr>
           <p:cNvCxnSpPr>
             <a:cxnSpLocks/>
-            <a:stCxn id="34" idx="3"/>
-            <a:endCxn id="11" idx="1"/>
+            <a:stCxn id="3" idx="3"/>
+            <a:endCxn id="12" idx="1"/>
           </p:cNvCxnSpPr>
           <p:nvPr/>
         </p:nvCxnSpPr>
         <p:spPr>
-          <a:xfrm flipV="1">
-            <a:off x="8452266" y="2042552"/>
-            <a:ext cx="840177" cy="1"/>
+          <a:xfrm>
+            <a:off x="8398824" y="3758538"/>
+            <a:ext cx="672933" cy="2968"/>
           </a:xfrm>
           <a:prstGeom prst="straightConnector1">
             <a:avLst/>
